--- a/修論/本文/figure/fig_3_1_3QW_broadcontact_Ith.pptx
+++ b/修論/本文/figure/fig_3_1_3QW_broadcontact_Ith.pptx
@@ -270,7 +270,7 @@
           <a:p>
             <a:fld id="{2921519D-86BB-414E-9FF5-E7DCE9E22D90}" type="datetimeFigureOut">
               <a:rPr kumimoji="1" lang="ja-JP" altLang="en-US" smtClean="0"/>
-              <a:t>2018/12/17</a:t>
+              <a:t>2018/12/18</a:t>
             </a:fld>
             <a:endParaRPr kumimoji="1" lang="ja-JP" altLang="en-US"/>
           </a:p>
@@ -500,7 +500,7 @@
           <a:p>
             <a:fld id="{2921519D-86BB-414E-9FF5-E7DCE9E22D90}" type="datetimeFigureOut">
               <a:rPr kumimoji="1" lang="ja-JP" altLang="en-US" smtClean="0"/>
-              <a:t>2018/12/17</a:t>
+              <a:t>2018/12/18</a:t>
             </a:fld>
             <a:endParaRPr kumimoji="1" lang="ja-JP" altLang="en-US"/>
           </a:p>
@@ -740,7 +740,7 @@
           <a:p>
             <a:fld id="{2921519D-86BB-414E-9FF5-E7DCE9E22D90}" type="datetimeFigureOut">
               <a:rPr kumimoji="1" lang="ja-JP" altLang="en-US" smtClean="0"/>
-              <a:t>2018/12/17</a:t>
+              <a:t>2018/12/18</a:t>
             </a:fld>
             <a:endParaRPr kumimoji="1" lang="ja-JP" altLang="en-US"/>
           </a:p>
@@ -970,7 +970,7 @@
           <a:p>
             <a:fld id="{2921519D-86BB-414E-9FF5-E7DCE9E22D90}" type="datetimeFigureOut">
               <a:rPr kumimoji="1" lang="ja-JP" altLang="en-US" smtClean="0"/>
-              <a:t>2018/12/17</a:t>
+              <a:t>2018/12/18</a:t>
             </a:fld>
             <a:endParaRPr kumimoji="1" lang="ja-JP" altLang="en-US"/>
           </a:p>
@@ -1245,7 +1245,7 @@
           <a:p>
             <a:fld id="{2921519D-86BB-414E-9FF5-E7DCE9E22D90}" type="datetimeFigureOut">
               <a:rPr kumimoji="1" lang="ja-JP" altLang="en-US" smtClean="0"/>
-              <a:t>2018/12/17</a:t>
+              <a:t>2018/12/18</a:t>
             </a:fld>
             <a:endParaRPr kumimoji="1" lang="ja-JP" altLang="en-US"/>
           </a:p>
@@ -1574,7 +1574,7 @@
           <a:p>
             <a:fld id="{2921519D-86BB-414E-9FF5-E7DCE9E22D90}" type="datetimeFigureOut">
               <a:rPr kumimoji="1" lang="ja-JP" altLang="en-US" smtClean="0"/>
-              <a:t>2018/12/17</a:t>
+              <a:t>2018/12/18</a:t>
             </a:fld>
             <a:endParaRPr kumimoji="1" lang="ja-JP" altLang="en-US"/>
           </a:p>
@@ -2050,7 +2050,7 @@
           <a:p>
             <a:fld id="{2921519D-86BB-414E-9FF5-E7DCE9E22D90}" type="datetimeFigureOut">
               <a:rPr kumimoji="1" lang="ja-JP" altLang="en-US" smtClean="0"/>
-              <a:t>2018/12/17</a:t>
+              <a:t>2018/12/18</a:t>
             </a:fld>
             <a:endParaRPr kumimoji="1" lang="ja-JP" altLang="en-US"/>
           </a:p>
@@ -2191,7 +2191,7 @@
           <a:p>
             <a:fld id="{2921519D-86BB-414E-9FF5-E7DCE9E22D90}" type="datetimeFigureOut">
               <a:rPr kumimoji="1" lang="ja-JP" altLang="en-US" smtClean="0"/>
-              <a:t>2018/12/17</a:t>
+              <a:t>2018/12/18</a:t>
             </a:fld>
             <a:endParaRPr kumimoji="1" lang="ja-JP" altLang="en-US"/>
           </a:p>
@@ -2304,7 +2304,7 @@
           <a:p>
             <a:fld id="{2921519D-86BB-414E-9FF5-E7DCE9E22D90}" type="datetimeFigureOut">
               <a:rPr kumimoji="1" lang="ja-JP" altLang="en-US" smtClean="0"/>
-              <a:t>2018/12/17</a:t>
+              <a:t>2018/12/18</a:t>
             </a:fld>
             <a:endParaRPr kumimoji="1" lang="ja-JP" altLang="en-US"/>
           </a:p>
@@ -2647,7 +2647,7 @@
           <a:p>
             <a:fld id="{2921519D-86BB-414E-9FF5-E7DCE9E22D90}" type="datetimeFigureOut">
               <a:rPr kumimoji="1" lang="ja-JP" altLang="en-US" smtClean="0"/>
-              <a:t>2018/12/17</a:t>
+              <a:t>2018/12/18</a:t>
             </a:fld>
             <a:endParaRPr kumimoji="1" lang="ja-JP" altLang="en-US"/>
           </a:p>
@@ -2935,7 +2935,7 @@
           <a:p>
             <a:fld id="{2921519D-86BB-414E-9FF5-E7DCE9E22D90}" type="datetimeFigureOut">
               <a:rPr kumimoji="1" lang="ja-JP" altLang="en-US" smtClean="0"/>
-              <a:t>2018/12/17</a:t>
+              <a:t>2018/12/18</a:t>
             </a:fld>
             <a:endParaRPr kumimoji="1" lang="ja-JP" altLang="en-US"/>
           </a:p>
@@ -3208,7 +3208,7 @@
           <a:p>
             <a:fld id="{2921519D-86BB-414E-9FF5-E7DCE9E22D90}" type="datetimeFigureOut">
               <a:rPr kumimoji="1" lang="ja-JP" altLang="en-US" smtClean="0"/>
-              <a:t>2018/12/17</a:t>
+              <a:t>2018/12/18</a:t>
             </a:fld>
             <a:endParaRPr kumimoji="1" lang="ja-JP" altLang="en-US"/>
           </a:p>
@@ -3625,12 +3625,84 @@
           <a:chExt cx="0" cy="0"/>
         </a:xfrm>
       </p:grpSpPr>
+      <p:sp>
+        <p:nvSpPr>
+          <p:cNvPr id="6" name="テキスト ボックス 5">
+            <a:extLst>
+              <a:ext uri="{FF2B5EF4-FFF2-40B4-BE49-F238E27FC236}">
+                <a16:creationId xmlns:a16="http://schemas.microsoft.com/office/drawing/2014/main" id="{3AE4109C-3162-4ED7-A2F0-E5AA2B3E5880}"/>
+              </a:ext>
+            </a:extLst>
+          </p:cNvPr>
+          <p:cNvSpPr txBox="1"/>
+          <p:nvPr/>
+        </p:nvSpPr>
+        <p:spPr>
+          <a:xfrm>
+            <a:off x="1638300" y="1489509"/>
+            <a:ext cx="1041400" cy="369332"/>
+          </a:xfrm>
+          <a:prstGeom prst="rect">
+            <a:avLst/>
+          </a:prstGeom>
+          <a:noFill/>
+        </p:spPr>
+        <p:txBody>
+          <a:bodyPr wrap="square" rtlCol="0">
+            <a:spAutoFit/>
+          </a:bodyPr>
+          <a:lstStyle/>
+          <a:p>
+            <a:r>
+              <a:rPr kumimoji="1" lang="en-US" altLang="ja-JP" dirty="0"/>
+              <a:t>(a)</a:t>
+            </a:r>
+            <a:endParaRPr kumimoji="1" lang="ja-JP" altLang="en-US" dirty="0"/>
+          </a:p>
+        </p:txBody>
+      </p:sp>
+      <p:sp>
+        <p:nvSpPr>
+          <p:cNvPr id="7" name="テキスト ボックス 6">
+            <a:extLst>
+              <a:ext uri="{FF2B5EF4-FFF2-40B4-BE49-F238E27FC236}">
+                <a16:creationId xmlns:a16="http://schemas.microsoft.com/office/drawing/2014/main" id="{518757E0-43F2-44F9-B402-C7FF26461D02}"/>
+              </a:ext>
+            </a:extLst>
+          </p:cNvPr>
+          <p:cNvSpPr txBox="1"/>
+          <p:nvPr/>
+        </p:nvSpPr>
+        <p:spPr>
+          <a:xfrm>
+            <a:off x="6235946" y="1489509"/>
+            <a:ext cx="1041400" cy="369332"/>
+          </a:xfrm>
+          <a:prstGeom prst="rect">
+            <a:avLst/>
+          </a:prstGeom>
+          <a:noFill/>
+        </p:spPr>
+        <p:txBody>
+          <a:bodyPr wrap="square" rtlCol="0">
+            <a:spAutoFit/>
+          </a:bodyPr>
+          <a:lstStyle/>
+          <a:p>
+            <a:r>
+              <a:rPr kumimoji="1" lang="en-US" altLang="ja-JP" dirty="0"/>
+              <a:t>(b)</a:t>
+            </a:r>
+            <a:endParaRPr kumimoji="1" lang="ja-JP" altLang="en-US" dirty="0"/>
+          </a:p>
+        </p:txBody>
+      </p:sp>
       <p:pic>
         <p:nvPicPr>
-          <p:cNvPr id="4" name="図 3">
-            <a:extLst>
-              <a:ext uri="{FF2B5EF4-FFF2-40B4-BE49-F238E27FC236}">
-                <a16:creationId xmlns:a16="http://schemas.microsoft.com/office/drawing/2014/main" id="{5AF2F93E-836F-479A-AC66-3CE136C54109}"/>
+          <p:cNvPr id="2" name="図 1">
+            <a:extLst>
+              <a:ext uri="{FF2B5EF4-FFF2-40B4-BE49-F238E27FC236}">
+                <a16:creationId xmlns:a16="http://schemas.microsoft.com/office/drawing/2014/main" id="{0A08EA3A-D310-4804-BC93-DDD5FCB8011A}"/>
               </a:ext>
             </a:extLst>
           </p:cNvPr>
@@ -3647,7 +3719,7 @@
         </p:blipFill>
         <p:spPr>
           <a:xfrm>
-            <a:off x="3670053" y="1653406"/>
+            <a:off x="1244107" y="1653406"/>
             <a:ext cx="4851893" cy="3551187"/>
           </a:xfrm>
           <a:prstGeom prst="rect">
@@ -3655,56 +3727,36 @@
           </a:prstGeom>
         </p:spPr>
       </p:pic>
-      <p:sp>
-        <p:nvSpPr>
-          <p:cNvPr id="2" name="タイトル 1">
-            <a:extLst>
-              <a:ext uri="{FF2B5EF4-FFF2-40B4-BE49-F238E27FC236}">
-                <a16:creationId xmlns:a16="http://schemas.microsoft.com/office/drawing/2014/main" id="{16BE9BA5-D1BB-4496-B800-E011FEF43A9F}"/>
-              </a:ext>
-            </a:extLst>
-          </p:cNvPr>
-          <p:cNvSpPr>
-            <a:spLocks noGrp="1"/>
-          </p:cNvSpPr>
-          <p:nvPr>
-            <p:ph type="ctrTitle"/>
-          </p:nvPr>
-        </p:nvSpPr>
-        <p:spPr/>
-        <p:txBody>
-          <a:bodyPr/>
-          <a:lstStyle/>
-          <a:p>
-            <a:endParaRPr kumimoji="1" lang="ja-JP" altLang="en-US" dirty="0"/>
-          </a:p>
-        </p:txBody>
-      </p:sp>
-      <p:sp>
-        <p:nvSpPr>
-          <p:cNvPr id="3" name="字幕 2">
-            <a:extLst>
-              <a:ext uri="{FF2B5EF4-FFF2-40B4-BE49-F238E27FC236}">
-                <a16:creationId xmlns:a16="http://schemas.microsoft.com/office/drawing/2014/main" id="{D403FC0E-EFC7-4194-BF03-24BFA00567FD}"/>
-              </a:ext>
-            </a:extLst>
-          </p:cNvPr>
-          <p:cNvSpPr>
-            <a:spLocks noGrp="1"/>
-          </p:cNvSpPr>
-          <p:nvPr>
-            <p:ph type="subTitle" idx="1"/>
-          </p:nvPr>
-        </p:nvSpPr>
-        <p:spPr/>
-        <p:txBody>
-          <a:bodyPr/>
-          <a:lstStyle/>
-          <a:p>
-            <a:endParaRPr kumimoji="1" lang="ja-JP" altLang="en-US"/>
-          </a:p>
-        </p:txBody>
-      </p:sp>
+      <p:pic>
+        <p:nvPicPr>
+          <p:cNvPr id="3" name="図 2">
+            <a:extLst>
+              <a:ext uri="{FF2B5EF4-FFF2-40B4-BE49-F238E27FC236}">
+                <a16:creationId xmlns:a16="http://schemas.microsoft.com/office/drawing/2014/main" id="{183FF8FA-CB94-470D-B9DD-18916E8C13D8}"/>
+              </a:ext>
+            </a:extLst>
+          </p:cNvPr>
+          <p:cNvPicPr>
+            <a:picLocks noChangeAspect="1"/>
+          </p:cNvPicPr>
+          <p:nvPr/>
+        </p:nvPicPr>
+        <p:blipFill>
+          <a:blip r:embed="rId3"/>
+          <a:stretch>
+            <a:fillRect/>
+          </a:stretch>
+        </p:blipFill>
+        <p:spPr>
+          <a:xfrm>
+            <a:off x="6096000" y="1653406"/>
+            <a:ext cx="4877815" cy="3551187"/>
+          </a:xfrm>
+          <a:prstGeom prst="rect">
+            <a:avLst/>
+          </a:prstGeom>
+        </p:spPr>
+      </p:pic>
     </p:spTree>
     <p:extLst>
       <p:ext uri="{BB962C8B-B14F-4D97-AF65-F5344CB8AC3E}">

--- a/修論/本文/figure/fig_3_1_3QW_broadcontact_Ith.pptx
+++ b/修論/本文/figure/fig_3_1_3QW_broadcontact_Ith.pptx
@@ -3699,10 +3699,10 @@
       </p:sp>
       <p:pic>
         <p:nvPicPr>
-          <p:cNvPr id="2" name="図 1">
-            <a:extLst>
-              <a:ext uri="{FF2B5EF4-FFF2-40B4-BE49-F238E27FC236}">
-                <a16:creationId xmlns:a16="http://schemas.microsoft.com/office/drawing/2014/main" id="{0A08EA3A-D310-4804-BC93-DDD5FCB8011A}"/>
+          <p:cNvPr id="3" name="図 2">
+            <a:extLst>
+              <a:ext uri="{FF2B5EF4-FFF2-40B4-BE49-F238E27FC236}">
+                <a16:creationId xmlns:a16="http://schemas.microsoft.com/office/drawing/2014/main" id="{183FF8FA-CB94-470D-B9DD-18916E8C13D8}"/>
               </a:ext>
             </a:extLst>
           </p:cNvPr>
@@ -3719,8 +3719,8 @@
         </p:blipFill>
         <p:spPr>
           <a:xfrm>
-            <a:off x="1244107" y="1653406"/>
-            <a:ext cx="4851893" cy="3551187"/>
+            <a:off x="6096000" y="1653406"/>
+            <a:ext cx="4877815" cy="3551187"/>
           </a:xfrm>
           <a:prstGeom prst="rect">
             <a:avLst/>
@@ -3729,10 +3729,10 @@
       </p:pic>
       <p:pic>
         <p:nvPicPr>
-          <p:cNvPr id="3" name="図 2">
-            <a:extLst>
-              <a:ext uri="{FF2B5EF4-FFF2-40B4-BE49-F238E27FC236}">
-                <a16:creationId xmlns:a16="http://schemas.microsoft.com/office/drawing/2014/main" id="{183FF8FA-CB94-470D-B9DD-18916E8C13D8}"/>
+          <p:cNvPr id="4" name="図 3">
+            <a:extLst>
+              <a:ext uri="{FF2B5EF4-FFF2-40B4-BE49-F238E27FC236}">
+                <a16:creationId xmlns:a16="http://schemas.microsoft.com/office/drawing/2014/main" id="{24E95FF6-3B1B-417A-973C-08A830C009A2}"/>
               </a:ext>
             </a:extLst>
           </p:cNvPr>
@@ -3749,8 +3749,8 @@
         </p:blipFill>
         <p:spPr>
           <a:xfrm>
-            <a:off x="6096000" y="1653406"/>
-            <a:ext cx="4877815" cy="3551187"/>
+            <a:off x="1732484" y="1653406"/>
+            <a:ext cx="4851893" cy="3551187"/>
           </a:xfrm>
           <a:prstGeom prst="rect">
             <a:avLst/>

--- a/修論/本文/figure/fig_3_1_3QW_broadcontact_Ith.pptx
+++ b/修論/本文/figure/fig_3_1_3QW_broadcontact_Ith.pptx
@@ -3699,10 +3699,10 @@
       </p:sp>
       <p:pic>
         <p:nvPicPr>
-          <p:cNvPr id="3" name="図 2">
-            <a:extLst>
-              <a:ext uri="{FF2B5EF4-FFF2-40B4-BE49-F238E27FC236}">
-                <a16:creationId xmlns:a16="http://schemas.microsoft.com/office/drawing/2014/main" id="{183FF8FA-CB94-470D-B9DD-18916E8C13D8}"/>
+          <p:cNvPr id="2" name="図 1">
+            <a:extLst>
+              <a:ext uri="{FF2B5EF4-FFF2-40B4-BE49-F238E27FC236}">
+                <a16:creationId xmlns:a16="http://schemas.microsoft.com/office/drawing/2014/main" id="{E7AF0964-DC02-4EC6-B78E-B7AAC508B192}"/>
               </a:ext>
             </a:extLst>
           </p:cNvPr>
@@ -3719,8 +3719,8 @@
         </p:blipFill>
         <p:spPr>
           <a:xfrm>
-            <a:off x="6096000" y="1653406"/>
-            <a:ext cx="4877815" cy="3551187"/>
+            <a:off x="1174134" y="1653406"/>
+            <a:ext cx="4851893" cy="3551187"/>
           </a:xfrm>
           <a:prstGeom prst="rect">
             <a:avLst/>
@@ -3729,10 +3729,10 @@
       </p:pic>
       <p:pic>
         <p:nvPicPr>
-          <p:cNvPr id="4" name="図 3">
-            <a:extLst>
-              <a:ext uri="{FF2B5EF4-FFF2-40B4-BE49-F238E27FC236}">
-                <a16:creationId xmlns:a16="http://schemas.microsoft.com/office/drawing/2014/main" id="{24E95FF6-3B1B-417A-973C-08A830C009A2}"/>
+          <p:cNvPr id="5" name="図 4">
+            <a:extLst>
+              <a:ext uri="{FF2B5EF4-FFF2-40B4-BE49-F238E27FC236}">
+                <a16:creationId xmlns:a16="http://schemas.microsoft.com/office/drawing/2014/main" id="{2BD669CC-4E4A-4297-A59A-4B508B76F22C}"/>
               </a:ext>
             </a:extLst>
           </p:cNvPr>
@@ -3749,8 +3749,8 @@
         </p:blipFill>
         <p:spPr>
           <a:xfrm>
-            <a:off x="1732484" y="1653406"/>
-            <a:ext cx="4851893" cy="3551187"/>
+            <a:off x="6359470" y="1653406"/>
+            <a:ext cx="4877815" cy="3551187"/>
           </a:xfrm>
           <a:prstGeom prst="rect">
             <a:avLst/>
